--- a/Slides/WhisperPowerPoint_da.pptx
+++ b/Slides/WhisperPowerPoint_da.pptx
@@ -291,7 +291,7 @@
           <a:p>
             <a:fld id="{13F6AEEE-E778-402E-8B8F-9A98AED26EB8}" type="datetimeFigureOut">
               <a:rPr lang="en-GB" smtClean="0"/>
-              <a:t>14/03/2024</a:t>
+              <a:t>02/04/2024</a:t>
             </a:fld>
             <a:endParaRPr lang="en-GB"/>
           </a:p>
@@ -450,7 +450,7 @@
           <a:p>
             <a:fld id="{1386E511-D742-4EFE-90B5-C9FC42762E0F}" type="datetimeFigureOut">
               <a:rPr lang="en-GB" smtClean="0"/>
-              <a:t>14/03/2024</a:t>
+              <a:t>02/04/2024</a:t>
             </a:fld>
             <a:endParaRPr lang="en-GB"/>
           </a:p>
@@ -981,7 +981,7 @@
             <a:fld id="{DCEB35B1-BC5C-4F24-B72D-591F5A33F1B4}" type="datetime5">
               <a:rPr lang="da-DK" smtClean="0"/>
               <a:pPr/>
-              <a:t>marts 2024</a:t>
+              <a:t>april 2024</a:t>
             </a:fld>
             <a:endParaRPr lang="da-DK" dirty="0"/>
           </a:p>
@@ -1058,7 +1058,7 @@
             <a:fld id="{D975665A-61CB-4DAB-8750-5B97BD1810B6}" type="datetime5">
               <a:rPr lang="da-DK" smtClean="0"/>
               <a:pPr/>
-              <a:t>marts 2024</a:t>
+              <a:t>april 2024</a:t>
             </a:fld>
             <a:endParaRPr lang="da-DK" dirty="0"/>
           </a:p>
@@ -1112,7 +1112,7 @@
             <a:fld id="{D975665A-61CB-4DAB-8750-5B97BD1810B6}" type="datetime5">
               <a:rPr lang="da-DK" smtClean="0"/>
               <a:pPr/>
-              <a:t>marts 2024</a:t>
+              <a:t>april 2024</a:t>
             </a:fld>
             <a:endParaRPr lang="da-DK" dirty="0"/>
           </a:p>
@@ -3101,7 +3101,7 @@
             <a:fld id="{D975665A-61CB-4DAB-8750-5B97BD1810B6}" type="datetime5">
               <a:rPr lang="da-DK" smtClean="0"/>
               <a:pPr/>
-              <a:t>marts 2024</a:t>
+              <a:t>april 2024</a:t>
             </a:fld>
             <a:endParaRPr lang="da-DK" dirty="0"/>
           </a:p>
@@ -3406,7 +3406,7 @@
             <a:fld id="{DCEB35B1-BC5C-4F24-B72D-591F5A33F1B4}" type="datetime5">
               <a:rPr lang="da-DK" smtClean="0"/>
               <a:pPr/>
-              <a:t>marts 2024</a:t>
+              <a:t>april 2024</a:t>
             </a:fld>
             <a:endParaRPr lang="da-DK" dirty="0"/>
           </a:p>
@@ -3717,7 +3717,7 @@
             <a:fld id="{DCEB35B1-BC5C-4F24-B72D-591F5A33F1B4}" type="datetime5">
               <a:rPr lang="da-DK" smtClean="0"/>
               <a:pPr/>
-              <a:t>marts 2024</a:t>
+              <a:t>april 2024</a:t>
             </a:fld>
             <a:endParaRPr lang="da-DK" dirty="0"/>
           </a:p>
@@ -4119,7 +4119,7 @@
             <a:fld id="{DCEB35B1-BC5C-4F24-B72D-591F5A33F1B4}" type="datetime5">
               <a:rPr lang="da-DK" smtClean="0"/>
               <a:pPr/>
-              <a:t>marts 2024</a:t>
+              <a:t>april 2024</a:t>
             </a:fld>
             <a:endParaRPr lang="da-DK" dirty="0"/>
           </a:p>
@@ -4258,7 +4258,7 @@
             <a:fld id="{D975665A-61CB-4DAB-8750-5B97BD1810B6}" type="datetime5">
               <a:rPr lang="da-DK" smtClean="0"/>
               <a:pPr/>
-              <a:t>marts 2024</a:t>
+              <a:t>april 2024</a:t>
             </a:fld>
             <a:endParaRPr lang="da-DK" dirty="0"/>
           </a:p>
@@ -4613,7 +4613,7 @@
             <a:fld id="{D975665A-61CB-4DAB-8750-5B97BD1810B6}" type="datetime5">
               <a:rPr lang="da-DK" smtClean="0"/>
               <a:pPr/>
-              <a:t>marts 2024</a:t>
+              <a:t>april 2024</a:t>
             </a:fld>
             <a:endParaRPr lang="da-DK" dirty="0"/>
           </a:p>
@@ -4822,7 +4822,7 @@
             <a:fld id="{D975665A-61CB-4DAB-8750-5B97BD1810B6}" type="datetime5">
               <a:rPr lang="da-DK" smtClean="0"/>
               <a:pPr/>
-              <a:t>marts 2024</a:t>
+              <a:t>april 2024</a:t>
             </a:fld>
             <a:endParaRPr lang="da-DK" dirty="0"/>
           </a:p>
@@ -5013,7 +5013,7 @@
             <a:fld id="{D975665A-61CB-4DAB-8750-5B97BD1810B6}" type="datetime5">
               <a:rPr lang="da-DK" smtClean="0"/>
               <a:pPr/>
-              <a:t>marts 2024</a:t>
+              <a:t>april 2024</a:t>
             </a:fld>
             <a:endParaRPr lang="da-DK" dirty="0"/>
           </a:p>
@@ -5190,7 +5190,7 @@
             <a:fld id="{D975665A-61CB-4DAB-8750-5B97BD1810B6}" type="datetime5">
               <a:rPr lang="da-DK" smtClean="0"/>
               <a:pPr/>
-              <a:t>marts 2024</a:t>
+              <a:t>april 2024</a:t>
             </a:fld>
             <a:endParaRPr lang="da-DK" dirty="0"/>
           </a:p>
@@ -5441,7 +5441,7 @@
             <a:fld id="{D975665A-61CB-4DAB-8750-5B97BD1810B6}" type="datetime5">
               <a:rPr lang="da-DK" smtClean="0"/>
               <a:pPr/>
-              <a:t>marts 2024</a:t>
+              <a:t>april 2024</a:t>
             </a:fld>
             <a:endParaRPr lang="en-GB" dirty="0"/>
           </a:p>
@@ -5990,7 +5990,7 @@
             <a:fld id="{DCEB35B1-BC5C-4F24-B72D-591F5A33F1B4}" type="datetime5">
               <a:rPr lang="da-DK" smtClean="0"/>
               <a:pPr/>
-              <a:t>marts 2024</a:t>
+              <a:t>april 2024</a:t>
             </a:fld>
             <a:endParaRPr lang="da-DK" dirty="0"/>
           </a:p>
@@ -6101,7 +6101,7 @@
             <a:fld id="{D975665A-61CB-4DAB-8750-5B97BD1810B6}" type="datetime5">
               <a:rPr lang="da-DK" smtClean="0"/>
               <a:pPr/>
-              <a:t>marts 2024</a:t>
+              <a:t>april 2024</a:t>
             </a:fld>
             <a:endParaRPr lang="da-DK" dirty="0"/>
           </a:p>
@@ -6250,23 +6250,7 @@
                   <a:prstClr val="black"/>
                 </a:solidFill>
               </a:rPr>
-              <a:t>Anvende </a:t>
-            </a:r>
-            <a:r>
-              <a:rPr lang="da-DK" sz="1600" dirty="0" smtClean="0">
-                <a:solidFill>
-                  <a:prstClr val="black"/>
-                </a:solidFill>
-              </a:rPr>
-              <a:t>et digitalt </a:t>
-            </a:r>
-            <a:r>
-              <a:rPr lang="da-DK" sz="1600" dirty="0" smtClean="0">
-                <a:solidFill>
-                  <a:prstClr val="black"/>
-                </a:solidFill>
-              </a:rPr>
-              <a:t>transskriberingsværktøj</a:t>
+              <a:t>Anvende et digitalt transskriberingsværktøj</a:t>
             </a:r>
           </a:p>
           <a:p>
@@ -6330,7 +6314,7 @@
             <a:fld id="{D975665A-61CB-4DAB-8750-5B97BD1810B6}" type="datetime5">
               <a:rPr lang="da-DK" smtClean="0"/>
               <a:pPr/>
-              <a:t>marts 2024</a:t>
+              <a:t>april 2024</a:t>
             </a:fld>
             <a:endParaRPr lang="da-DK" dirty="0"/>
           </a:p>
@@ -6449,7 +6433,7 @@
         <p:spPr>
           <a:xfrm>
             <a:off x="719138" y="2262587"/>
-            <a:ext cx="6840000" cy="2484000"/>
+            <a:ext cx="6840000" cy="3075532"/>
           </a:xfrm>
         </p:spPr>
         <p:txBody>
@@ -6474,13 +6458,8 @@
             </a:pPr>
             <a:r>
               <a:rPr lang="da-DK" sz="1600" dirty="0" smtClean="0"/>
-              <a:t>Tilgås via </a:t>
-            </a:r>
-            <a:r>
-              <a:rPr lang="da-DK" sz="1600" dirty="0" smtClean="0"/>
-              <a:t>WAYF</a:t>
-            </a:r>
-            <a:endParaRPr lang="da-DK" sz="1600" dirty="0" smtClean="0"/>
+              <a:t>Tilgås via WAYF</a:t>
+            </a:r>
           </a:p>
           <a:p>
             <a:pPr lvl="1">
@@ -6540,8 +6519,50 @@
             </a:r>
             <a:r>
               <a:rPr lang="da-DK" sz="1600" dirty="0" smtClean="0"/>
-              <a:t>certificering </a:t>
-            </a:r>
+              <a:t>certificering</a:t>
+            </a:r>
+          </a:p>
+          <a:p>
+            <a:pPr>
+              <a:lnSpc>
+                <a:spcPct val="150000"/>
+              </a:lnSpc>
+            </a:pPr>
+            <a:r>
+              <a:rPr lang="da-DK" sz="1600" dirty="0" smtClean="0"/>
+              <a:t>Husk</a:t>
+            </a:r>
+            <a:r>
+              <a:rPr lang="da-DK" sz="1600" dirty="0"/>
+              <a:t> </a:t>
+            </a:r>
+            <a:r>
+              <a:rPr lang="da-DK" sz="1600" dirty="0" smtClean="0"/>
+              <a:t>du selv er dataansvarlig – se mere her: </a:t>
+            </a:r>
+            <a:r>
+              <a:rPr lang="da-DK" sz="1600" dirty="0">
+                <a:hlinkClick r:id="rId2"/>
+              </a:rPr>
+              <a:t>Behandling af personoplysninger </a:t>
+            </a:r>
+            <a:r>
+              <a:rPr lang="da-DK" sz="1600" dirty="0" err="1">
+                <a:hlinkClick r:id="rId2"/>
+              </a:rPr>
+              <a:t>ifm</a:t>
+            </a:r>
+            <a:r>
+              <a:rPr lang="da-DK" sz="1600" dirty="0">
+                <a:hlinkClick r:id="rId2"/>
+              </a:rPr>
+              <a:t>. opgaver og speciale (au.dk)</a:t>
+            </a:r>
+            <a:r>
+              <a:rPr lang="da-DK" sz="1600" dirty="0" smtClean="0"/>
+              <a:t> </a:t>
+            </a:r>
+            <a:endParaRPr lang="da-DK" sz="1600" dirty="0" smtClean="0"/>
           </a:p>
           <a:p>
             <a:pPr marL="0" indent="0">
@@ -6569,7 +6590,7 @@
             <a:fld id="{D975665A-61CB-4DAB-8750-5B97BD1810B6}" type="datetime5">
               <a:rPr lang="da-DK" smtClean="0"/>
               <a:pPr/>
-              <a:t>marts 2024</a:t>
+              <a:t>april 2024</a:t>
             </a:fld>
             <a:endParaRPr lang="da-DK" dirty="0"/>
           </a:p>
@@ -6584,7 +6605,7 @@
           <p:nvPr/>
         </p:nvPicPr>
         <p:blipFill>
-          <a:blip r:embed="rId2"/>
+          <a:blip r:embed="rId3"/>
           <a:stretch>
             <a:fillRect/>
           </a:stretch>
@@ -6608,7 +6629,7 @@
           <p:nvPr/>
         </p:nvPicPr>
         <p:blipFill>
-          <a:blip r:embed="rId3"/>
+          <a:blip r:embed="rId4"/>
           <a:stretch>
             <a:fillRect/>
           </a:stretch>
@@ -6632,7 +6653,7 @@
           <p:nvPr/>
         </p:nvPicPr>
         <p:blipFill>
-          <a:blip r:embed="rId4"/>
+          <a:blip r:embed="rId5"/>
           <a:stretch>
             <a:fillRect/>
           </a:stretch>
@@ -6891,7 +6912,7 @@
             <a:fld id="{D975665A-61CB-4DAB-8750-5B97BD1810B6}" type="datetime5">
               <a:rPr lang="da-DK" smtClean="0"/>
               <a:pPr/>
-              <a:t>marts 2024</a:t>
+              <a:t>april 2024</a:t>
             </a:fld>
             <a:endParaRPr lang="da-DK" dirty="0"/>
           </a:p>
@@ -7056,7 +7077,7 @@
             <a:fld id="{D975665A-61CB-4DAB-8750-5B97BD1810B6}" type="datetime5">
               <a:rPr lang="da-DK" smtClean="0"/>
               <a:pPr/>
-              <a:t>marts 2024</a:t>
+              <a:t>april 2024</a:t>
             </a:fld>
             <a:endParaRPr lang="da-DK" dirty="0"/>
           </a:p>
@@ -7198,11 +7219,6 @@
               </a:rPr>
               <a:t>Giver forskellige parametre forskellige resultater?</a:t>
             </a:r>
-            <a:endParaRPr lang="da-DK" sz="2000" dirty="0" smtClean="0">
-              <a:solidFill>
-                <a:schemeClr val="bg1"/>
-              </a:solidFill>
-            </a:endParaRPr>
           </a:p>
           <a:p>
             <a:pPr marL="457200" indent="-457200">
@@ -7446,7 +7462,7 @@
             <a:fld id="{D975665A-61CB-4DAB-8750-5B97BD1810B6}" type="datetime5">
               <a:rPr lang="da-DK" smtClean="0"/>
               <a:pPr/>
-              <a:t>marts 2024</a:t>
+              <a:t>april 2024</a:t>
             </a:fld>
             <a:endParaRPr lang="da-DK" dirty="0"/>
           </a:p>
@@ -7620,11 +7636,7 @@
             </a:pPr>
             <a:r>
               <a:rPr lang="fr-FR" dirty="0" err="1" smtClean="0"/>
-              <a:t>UCloud</a:t>
-            </a:r>
-            <a:r>
-              <a:rPr lang="fr-FR" dirty="0" err="1" smtClean="0"/>
-              <a:t>’s</a:t>
+              <a:t>UCloud’s</a:t>
             </a:r>
             <a:r>
               <a:rPr lang="fr-FR" dirty="0" smtClean="0"/>
@@ -7644,15 +7656,7 @@
             </a:r>
             <a:r>
               <a:rPr lang="fr-FR" dirty="0" smtClean="0"/>
-              <a:t> </a:t>
-            </a:r>
-            <a:r>
-              <a:rPr lang="fr-FR" dirty="0" smtClean="0"/>
-              <a:t>best </a:t>
-            </a:r>
-            <a:r>
-              <a:rPr lang="fr-FR" dirty="0" smtClean="0"/>
-              <a:t>practices: </a:t>
+              <a:t> best practices: </a:t>
             </a:r>
             <a:r>
               <a:rPr lang="en-US" dirty="0">
@@ -7830,7 +7834,6 @@
               <a:rPr lang="fr-FR" dirty="0" smtClean="0"/>
               <a:t> </a:t>
             </a:r>
-            <a:endParaRPr lang="fr-FR" dirty="0" smtClean="0"/>
           </a:p>
           <a:p>
             <a:endParaRPr lang="da-DK" dirty="0"/>
@@ -7855,7 +7858,7 @@
             <a:fld id="{D975665A-61CB-4DAB-8750-5B97BD1810B6}" type="datetime5">
               <a:rPr lang="da-DK" smtClean="0"/>
               <a:pPr/>
-              <a:t>marts 2024</a:t>
+              <a:t>april 2024</a:t>
             </a:fld>
             <a:endParaRPr lang="da-DK" dirty="0"/>
           </a:p>

--- a/Slides/WhisperPowerPoint_da.pptx
+++ b/Slides/WhisperPowerPoint_da.pptx
@@ -5,20 +5,22 @@
     <p:sldMasterId id="2147483714" r:id="rId1"/>
   </p:sldMasterIdLst>
   <p:notesMasterIdLst>
-    <p:notesMasterId r:id="rId10"/>
+    <p:notesMasterId r:id="rId12"/>
   </p:notesMasterIdLst>
   <p:handoutMasterIdLst>
-    <p:handoutMasterId r:id="rId11"/>
+    <p:handoutMasterId r:id="rId13"/>
   </p:handoutMasterIdLst>
   <p:sldIdLst>
     <p:sldId id="262" r:id="rId2"/>
     <p:sldId id="267" r:id="rId3"/>
     <p:sldId id="265" r:id="rId4"/>
-    <p:sldId id="264" r:id="rId5"/>
-    <p:sldId id="269" r:id="rId6"/>
-    <p:sldId id="271" r:id="rId7"/>
-    <p:sldId id="268" r:id="rId8"/>
-    <p:sldId id="272" r:id="rId9"/>
+    <p:sldId id="275" r:id="rId5"/>
+    <p:sldId id="264" r:id="rId6"/>
+    <p:sldId id="269" r:id="rId7"/>
+    <p:sldId id="273" r:id="rId8"/>
+    <p:sldId id="271" r:id="rId9"/>
+    <p:sldId id="268" r:id="rId10"/>
+    <p:sldId id="272" r:id="rId11"/>
   </p:sldIdLst>
   <p:sldSz cx="12192000" cy="6858000"/>
   <p:notesSz cx="6858000" cy="9144000"/>
@@ -291,7 +293,7 @@
           <a:p>
             <a:fld id="{13F6AEEE-E778-402E-8B8F-9A98AED26EB8}" type="datetimeFigureOut">
               <a:rPr lang="en-GB" smtClean="0"/>
-              <a:t>02/04/2024</a:t>
+              <a:t>10/04/2024</a:t>
             </a:fld>
             <a:endParaRPr lang="en-GB"/>
           </a:p>
@@ -450,7 +452,7 @@
           <a:p>
             <a:fld id="{1386E511-D742-4EFE-90B5-C9FC42762E0F}" type="datetimeFigureOut">
               <a:rPr lang="en-GB" smtClean="0"/>
-              <a:t>02/04/2024</a:t>
+              <a:t>10/04/2024</a:t>
             </a:fld>
             <a:endParaRPr lang="en-GB"/>
           </a:p>
@@ -6006,6 +6008,503 @@
   <p:clrMapOvr>
     <a:masterClrMapping/>
   </p:clrMapOvr>
+  <p:timing>
+    <p:tnLst>
+      <p:par>
+        <p:cTn id="1" dur="indefinite" restart="never" nodeType="tmRoot"/>
+      </p:par>
+    </p:tnLst>
+  </p:timing>
+</p:sld>
+</file>
+
+<file path=ppt/slides/slide10.xml><?xml version="1.0" encoding="utf-8"?>
+<p:sld xmlns:a="http://schemas.openxmlformats.org/drawingml/2006/main" xmlns:r="http://schemas.openxmlformats.org/officeDocument/2006/relationships" xmlns:p="http://schemas.openxmlformats.org/presentationml/2006/main">
+  <p:cSld>
+    <p:spTree>
+      <p:nvGrpSpPr>
+        <p:cNvPr id="1" name=""/>
+        <p:cNvGrpSpPr/>
+        <p:nvPr/>
+      </p:nvGrpSpPr>
+      <p:grpSpPr>
+        <a:xfrm>
+          <a:off x="0" y="0"/>
+          <a:ext cx="0" cy="0"/>
+          <a:chOff x="0" y="0"/>
+          <a:chExt cx="0" cy="0"/>
+        </a:xfrm>
+      </p:grpSpPr>
+      <p:sp>
+        <p:nvSpPr>
+          <p:cNvPr id="2" name="Titel 1"/>
+          <p:cNvSpPr>
+            <a:spLocks noGrp="1"/>
+          </p:cNvSpPr>
+          <p:nvPr>
+            <p:ph type="title"/>
+          </p:nvPr>
+        </p:nvSpPr>
+        <p:spPr/>
+        <p:txBody>
+          <a:bodyPr/>
+          <a:lstStyle/>
+          <a:p>
+            <a:r>
+              <a:rPr lang="da-DK" dirty="0" smtClean="0"/>
+              <a:t>Referencer</a:t>
+            </a:r>
+            <a:endParaRPr lang="da-DK" dirty="0"/>
+          </a:p>
+        </p:txBody>
+      </p:sp>
+      <p:sp>
+        <p:nvSpPr>
+          <p:cNvPr id="3" name="Pladsholder til tekst 2"/>
+          <p:cNvSpPr>
+            <a:spLocks noGrp="1"/>
+          </p:cNvSpPr>
+          <p:nvPr>
+            <p:ph type="body" sz="quarter" idx="13"/>
+          </p:nvPr>
+        </p:nvSpPr>
+        <p:spPr>
+          <a:xfrm>
+            <a:off x="719138" y="2160270"/>
+            <a:ext cx="10748962" cy="2484000"/>
+          </a:xfrm>
+        </p:spPr>
+        <p:txBody>
+          <a:bodyPr/>
+          <a:lstStyle/>
+          <a:p>
+            <a:pPr>
+              <a:lnSpc>
+                <a:spcPct val="150000"/>
+              </a:lnSpc>
+            </a:pPr>
+            <a:r>
+              <a:rPr lang="da-DK" dirty="0" smtClean="0"/>
+              <a:t>Brugsvejledning til </a:t>
+            </a:r>
+            <a:r>
+              <a:rPr lang="da-DK" dirty="0" err="1" smtClean="0"/>
+              <a:t>UCloud</a:t>
+            </a:r>
+            <a:r>
+              <a:rPr lang="da-DK" dirty="0" smtClean="0"/>
+              <a:t>: </a:t>
+            </a:r>
+            <a:r>
+              <a:rPr lang="fr-FR" dirty="0" err="1">
+                <a:hlinkClick r:id="rId2"/>
+              </a:rPr>
+              <a:t>UCloud</a:t>
+            </a:r>
+            <a:r>
+              <a:rPr lang="fr-FR" dirty="0">
+                <a:hlinkClick r:id="rId2"/>
+              </a:rPr>
+              <a:t> User Guide — </a:t>
+            </a:r>
+            <a:r>
+              <a:rPr lang="fr-FR" dirty="0" err="1">
+                <a:hlinkClick r:id="rId2"/>
+              </a:rPr>
+              <a:t>UCloud</a:t>
+            </a:r>
+            <a:r>
+              <a:rPr lang="fr-FR" dirty="0">
+                <a:hlinkClick r:id="rId2"/>
+              </a:rPr>
+              <a:t> (sdu.dk</a:t>
+            </a:r>
+            <a:r>
+              <a:rPr lang="fr-FR" dirty="0" smtClean="0">
+                <a:hlinkClick r:id="rId2"/>
+              </a:rPr>
+              <a:t>)</a:t>
+            </a:r>
+            <a:endParaRPr lang="fr-FR" dirty="0" smtClean="0"/>
+          </a:p>
+          <a:p>
+            <a:pPr>
+              <a:lnSpc>
+                <a:spcPct val="150000"/>
+              </a:lnSpc>
+            </a:pPr>
+            <a:r>
+              <a:rPr lang="fr-FR" dirty="0" err="1" smtClean="0"/>
+              <a:t>UCloud’s</a:t>
+            </a:r>
+            <a:r>
+              <a:rPr lang="fr-FR" dirty="0" smtClean="0"/>
+              <a:t> </a:t>
+            </a:r>
+            <a:r>
+              <a:rPr lang="fr-FR" dirty="0" err="1" smtClean="0"/>
+              <a:t>definition</a:t>
+            </a:r>
+            <a:r>
+              <a:rPr lang="fr-FR" dirty="0" smtClean="0"/>
+              <a:t> </a:t>
+            </a:r>
+            <a:r>
+              <a:rPr lang="fr-FR" dirty="0" err="1" smtClean="0"/>
+              <a:t>på</a:t>
+            </a:r>
+            <a:r>
+              <a:rPr lang="fr-FR" dirty="0" smtClean="0"/>
+              <a:t> best practices: </a:t>
+            </a:r>
+            <a:r>
+              <a:rPr lang="en-US" dirty="0">
+                <a:hlinkClick r:id="rId3"/>
+              </a:rPr>
+              <a:t>Interactive HPC Best Practices — </a:t>
+            </a:r>
+            <a:r>
+              <a:rPr lang="en-US" dirty="0" err="1">
+                <a:hlinkClick r:id="rId3"/>
+              </a:rPr>
+              <a:t>UCloud</a:t>
+            </a:r>
+            <a:r>
+              <a:rPr lang="en-US" dirty="0">
+                <a:hlinkClick r:id="rId3"/>
+              </a:rPr>
+              <a:t> (sdu.dk</a:t>
+            </a:r>
+            <a:r>
+              <a:rPr lang="en-US" dirty="0" smtClean="0">
+                <a:hlinkClick r:id="rId3"/>
+              </a:rPr>
+              <a:t>)</a:t>
+            </a:r>
+            <a:endParaRPr lang="en-US" dirty="0" smtClean="0"/>
+          </a:p>
+          <a:p>
+            <a:pPr>
+              <a:lnSpc>
+                <a:spcPct val="150000"/>
+              </a:lnSpc>
+            </a:pPr>
+            <a:r>
+              <a:rPr lang="en-US" dirty="0" smtClean="0"/>
+              <a:t>SDU’s </a:t>
+            </a:r>
+            <a:r>
+              <a:rPr lang="en-US" dirty="0" err="1" smtClean="0"/>
+              <a:t>dokumentation</a:t>
+            </a:r>
+            <a:r>
+              <a:rPr lang="en-US" dirty="0" smtClean="0"/>
+              <a:t> om </a:t>
+            </a:r>
+            <a:r>
+              <a:rPr lang="en-US" dirty="0" err="1" smtClean="0"/>
+              <a:t>databeskyttelse</a:t>
+            </a:r>
+            <a:r>
+              <a:rPr lang="en-US" dirty="0" smtClean="0"/>
+              <a:t>: </a:t>
+            </a:r>
+            <a:r>
+              <a:rPr lang="en-US" dirty="0">
+                <a:hlinkClick r:id="rId4"/>
+              </a:rPr>
+              <a:t>Data protection at SDU </a:t>
+            </a:r>
+            <a:r>
+              <a:rPr lang="en-US" dirty="0" smtClean="0">
+                <a:hlinkClick r:id="rId4"/>
+              </a:rPr>
+              <a:t>– SDU</a:t>
+            </a:r>
+            <a:r>
+              <a:rPr lang="en-US" dirty="0" smtClean="0"/>
+              <a:t> </a:t>
+            </a:r>
+            <a:endParaRPr lang="fr-FR" dirty="0" smtClean="0"/>
+          </a:p>
+          <a:p>
+            <a:pPr>
+              <a:lnSpc>
+                <a:spcPct val="150000"/>
+              </a:lnSpc>
+            </a:pPr>
+            <a:r>
+              <a:rPr lang="fr-FR" dirty="0" err="1" smtClean="0"/>
+              <a:t>OpenAI’s</a:t>
+            </a:r>
+            <a:r>
+              <a:rPr lang="fr-FR" dirty="0" smtClean="0"/>
+              <a:t> </a:t>
+            </a:r>
+            <a:r>
+              <a:rPr lang="fr-FR" dirty="0" err="1" smtClean="0"/>
+              <a:t>beskrivelse</a:t>
+            </a:r>
+            <a:r>
+              <a:rPr lang="fr-FR" dirty="0" smtClean="0"/>
+              <a:t> </a:t>
+            </a:r>
+            <a:r>
+              <a:rPr lang="fr-FR" dirty="0" err="1" smtClean="0"/>
+              <a:t>af</a:t>
+            </a:r>
+            <a:r>
+              <a:rPr lang="fr-FR" dirty="0" smtClean="0"/>
+              <a:t> </a:t>
+            </a:r>
+            <a:r>
+              <a:rPr lang="fr-FR" dirty="0" err="1" smtClean="0"/>
+              <a:t>Whisper</a:t>
+            </a:r>
+            <a:r>
+              <a:rPr lang="fr-FR" dirty="0" smtClean="0"/>
+              <a:t>: </a:t>
+            </a:r>
+            <a:r>
+              <a:rPr lang="fr-FR" dirty="0">
+                <a:hlinkClick r:id="rId5"/>
+              </a:rPr>
+              <a:t>https://</a:t>
+            </a:r>
+            <a:r>
+              <a:rPr lang="fr-FR" dirty="0" smtClean="0">
+                <a:hlinkClick r:id="rId5"/>
+              </a:rPr>
+              <a:t>openai.com/research/whisper</a:t>
+            </a:r>
+            <a:endParaRPr lang="fr-FR" dirty="0" smtClean="0"/>
+          </a:p>
+          <a:p>
+            <a:pPr>
+              <a:lnSpc>
+                <a:spcPct val="150000"/>
+              </a:lnSpc>
+            </a:pPr>
+            <a:r>
+              <a:rPr lang="fr-FR" dirty="0" smtClean="0"/>
+              <a:t>Aarhus </a:t>
+            </a:r>
+            <a:r>
+              <a:rPr lang="fr-FR" dirty="0" err="1" smtClean="0"/>
+              <a:t>Universitets</a:t>
+            </a:r>
+            <a:r>
+              <a:rPr lang="fr-FR" dirty="0" smtClean="0"/>
+              <a:t> </a:t>
+            </a:r>
+            <a:r>
+              <a:rPr lang="fr-FR" dirty="0" err="1" smtClean="0"/>
+              <a:t>beskrivelse</a:t>
+            </a:r>
+            <a:r>
+              <a:rPr lang="fr-FR" dirty="0" smtClean="0"/>
+              <a:t> </a:t>
+            </a:r>
+            <a:r>
+              <a:rPr lang="fr-FR" dirty="0" err="1" smtClean="0"/>
+              <a:t>af</a:t>
+            </a:r>
+            <a:r>
+              <a:rPr lang="fr-FR" dirty="0" smtClean="0"/>
+              <a:t> </a:t>
+            </a:r>
+            <a:r>
+              <a:rPr lang="da-DK" dirty="0"/>
+              <a:t> </a:t>
+            </a:r>
+            <a:r>
+              <a:rPr lang="da-DK" dirty="0" err="1"/>
+              <a:t>DeiC</a:t>
+            </a:r>
+            <a:r>
+              <a:rPr lang="da-DK" dirty="0"/>
+              <a:t> Interactive </a:t>
+            </a:r>
+            <a:r>
+              <a:rPr lang="da-DK" dirty="0"/>
+              <a:t>HPC: </a:t>
+            </a:r>
+            <a:r>
+              <a:rPr lang="da-DK" dirty="0">
+                <a:hlinkClick r:id="rId6"/>
+              </a:rPr>
+              <a:t>https://</a:t>
+            </a:r>
+            <a:r>
+              <a:rPr lang="da-DK" dirty="0" smtClean="0">
+                <a:hlinkClick r:id="rId6"/>
+              </a:rPr>
+              <a:t>interactivehpc.au.dk/om-interactive-hpc</a:t>
+            </a:r>
+            <a:r>
+              <a:rPr lang="da-DK" dirty="0" smtClean="0"/>
+              <a:t> </a:t>
+            </a:r>
+          </a:p>
+          <a:p>
+            <a:pPr>
+              <a:lnSpc>
+                <a:spcPct val="150000"/>
+              </a:lnSpc>
+            </a:pPr>
+            <a:r>
+              <a:rPr lang="fr-FR" dirty="0"/>
+              <a:t>Aarhus </a:t>
+            </a:r>
+            <a:r>
+              <a:rPr lang="fr-FR" dirty="0" err="1" smtClean="0"/>
+              <a:t>Universitet</a:t>
+            </a:r>
+            <a:r>
+              <a:rPr lang="fr-FR" dirty="0" smtClean="0"/>
+              <a:t> om </a:t>
+            </a:r>
+            <a:r>
+              <a:rPr lang="da-DK" dirty="0" err="1"/>
+              <a:t>DeiC</a:t>
+            </a:r>
+            <a:r>
+              <a:rPr lang="da-DK" dirty="0"/>
+              <a:t> Interactive HPC </a:t>
+            </a:r>
+            <a:r>
+              <a:rPr lang="da-DK" dirty="0" smtClean="0"/>
+              <a:t> og databeskyttelse:</a:t>
+            </a:r>
+            <a:r>
+              <a:rPr lang="fr-FR" dirty="0" smtClean="0"/>
+              <a:t> </a:t>
+            </a:r>
+            <a:r>
+              <a:rPr lang="fr-FR" dirty="0" smtClean="0">
+                <a:hlinkClick r:id="rId7"/>
+              </a:rPr>
+              <a:t>https</a:t>
+            </a:r>
+            <a:r>
+              <a:rPr lang="fr-FR" dirty="0">
+                <a:hlinkClick r:id="rId7"/>
+              </a:rPr>
+              <a:t>://</a:t>
+            </a:r>
+            <a:r>
+              <a:rPr lang="fr-FR" dirty="0" smtClean="0">
+                <a:hlinkClick r:id="rId7"/>
+              </a:rPr>
+              <a:t>interactivehpc.au.dk/databeskyttelse</a:t>
+            </a:r>
+            <a:r>
+              <a:rPr lang="fr-FR" dirty="0" smtClean="0"/>
+              <a:t>  </a:t>
+            </a:r>
+            <a:endParaRPr lang="fr-FR" dirty="0" smtClean="0"/>
+          </a:p>
+          <a:p>
+            <a:pPr>
+              <a:lnSpc>
+                <a:spcPct val="150000"/>
+              </a:lnSpc>
+            </a:pPr>
+            <a:r>
+              <a:rPr lang="fr-FR" dirty="0" err="1" smtClean="0"/>
+              <a:t>Github</a:t>
+            </a:r>
+            <a:r>
+              <a:rPr lang="fr-FR" dirty="0" smtClean="0"/>
+              <a:t> </a:t>
+            </a:r>
+            <a:r>
+              <a:rPr lang="fr-FR" dirty="0" err="1" smtClean="0"/>
+              <a:t>repository</a:t>
+            </a:r>
+            <a:r>
+              <a:rPr lang="fr-FR" dirty="0"/>
+              <a:t> </a:t>
+            </a:r>
+            <a:r>
+              <a:rPr lang="fr-FR" dirty="0" err="1" smtClean="0"/>
+              <a:t>til</a:t>
+            </a:r>
+            <a:r>
+              <a:rPr lang="fr-FR" dirty="0" smtClean="0"/>
+              <a:t> </a:t>
+            </a:r>
+            <a:r>
+              <a:rPr lang="fr-FR" dirty="0" err="1" smtClean="0"/>
+              <a:t>workshoppen</a:t>
+            </a:r>
+            <a:r>
+              <a:rPr lang="fr-FR" dirty="0"/>
+              <a:t>: </a:t>
+            </a:r>
+            <a:r>
+              <a:rPr lang="fr-FR" dirty="0">
+                <a:hlinkClick r:id="rId8"/>
+              </a:rPr>
+              <a:t>https://</a:t>
+            </a:r>
+            <a:r>
+              <a:rPr lang="fr-FR" dirty="0" smtClean="0">
+                <a:hlinkClick r:id="rId8"/>
+              </a:rPr>
+              <a:t>github.com/AUL-Arts-Digital-Lab/WhisperWorkshop.git</a:t>
+            </a:r>
+            <a:r>
+              <a:rPr lang="fr-FR" dirty="0" smtClean="0"/>
+              <a:t> </a:t>
+            </a:r>
+          </a:p>
+          <a:p>
+            <a:endParaRPr lang="da-DK" dirty="0"/>
+          </a:p>
+        </p:txBody>
+      </p:sp>
+      <p:sp>
+        <p:nvSpPr>
+          <p:cNvPr id="4" name="Pladsholder til dato 3"/>
+          <p:cNvSpPr>
+            <a:spLocks noGrp="1"/>
+          </p:cNvSpPr>
+          <p:nvPr>
+            <p:ph type="dt" sz="half" idx="14"/>
+          </p:nvPr>
+        </p:nvSpPr>
+        <p:spPr/>
+        <p:txBody>
+          <a:bodyPr/>
+          <a:lstStyle/>
+          <a:p>
+            <a:fld id="{D975665A-61CB-4DAB-8750-5B97BD1810B6}" type="datetime5">
+              <a:rPr lang="da-DK" smtClean="0"/>
+              <a:pPr/>
+              <a:t>april 2024</a:t>
+            </a:fld>
+            <a:endParaRPr lang="da-DK" dirty="0"/>
+          </a:p>
+        </p:txBody>
+      </p:sp>
+    </p:spTree>
+    <p:extLst>
+      <p:ext uri="{BB962C8B-B14F-4D97-AF65-F5344CB8AC3E}">
+        <p14:creationId xmlns:p14="http://schemas.microsoft.com/office/powerpoint/2010/main" val="1236717997"/>
+      </p:ext>
+    </p:extLst>
+  </p:cSld>
+  <p:clrMapOvr>
+    <a:masterClrMapping/>
+  </p:clrMapOvr>
+  <p:timing>
+    <p:tnLst>
+      <p:par>
+        <p:cTn id="1" dur="indefinite" restart="never" nodeType="tmRoot"/>
+      </p:par>
+    </p:tnLst>
+  </p:timing>
 </p:sld>
 </file>
 
@@ -6164,6 +6663,13 @@
   <p:clrMapOvr>
     <a:masterClrMapping/>
   </p:clrMapOvr>
+  <p:timing>
+    <p:tnLst>
+      <p:par>
+        <p:cTn id="1" dur="indefinite" restart="never" nodeType="tmRoot"/>
+      </p:par>
+    </p:tnLst>
+  </p:timing>
 </p:sld>
 </file>
 
@@ -6377,10 +6883,207 @@
   <p:clrMapOvr>
     <a:masterClrMapping/>
   </p:clrMapOvr>
+  <p:timing>
+    <p:tnLst>
+      <p:par>
+        <p:cTn id="1" dur="indefinite" restart="never" nodeType="tmRoot"/>
+      </p:par>
+    </p:tnLst>
+  </p:timing>
 </p:sld>
 </file>
 
 <file path=ppt/slides/slide4.xml><?xml version="1.0" encoding="utf-8"?>
+<p:sld xmlns:a="http://schemas.openxmlformats.org/drawingml/2006/main" xmlns:r="http://schemas.openxmlformats.org/officeDocument/2006/relationships" xmlns:p="http://schemas.openxmlformats.org/presentationml/2006/main">
+  <p:cSld>
+    <p:spTree>
+      <p:nvGrpSpPr>
+        <p:cNvPr id="1" name=""/>
+        <p:cNvGrpSpPr/>
+        <p:nvPr/>
+      </p:nvGrpSpPr>
+      <p:grpSpPr>
+        <a:xfrm>
+          <a:off x="0" y="0"/>
+          <a:ext cx="0" cy="0"/>
+          <a:chOff x="0" y="0"/>
+          <a:chExt cx="0" cy="0"/>
+        </a:xfrm>
+      </p:grpSpPr>
+      <p:sp>
+        <p:nvSpPr>
+          <p:cNvPr id="5" name="Titel 4"/>
+          <p:cNvSpPr>
+            <a:spLocks noGrp="1"/>
+          </p:cNvSpPr>
+          <p:nvPr>
+            <p:ph type="title"/>
+          </p:nvPr>
+        </p:nvSpPr>
+        <p:spPr/>
+        <p:txBody>
+          <a:bodyPr/>
+          <a:lstStyle/>
+          <a:p>
+            <a:r>
+              <a:rPr lang="da-DK" dirty="0" smtClean="0"/>
+              <a:t>Præsentation af data</a:t>
+            </a:r>
+            <a:endParaRPr lang="da-DK" dirty="0"/>
+          </a:p>
+        </p:txBody>
+      </p:sp>
+      <p:sp>
+        <p:nvSpPr>
+          <p:cNvPr id="6" name="Pladsholder til tekst 5"/>
+          <p:cNvSpPr>
+            <a:spLocks noGrp="1"/>
+          </p:cNvSpPr>
+          <p:nvPr>
+            <p:ph type="body" sz="quarter" idx="13"/>
+          </p:nvPr>
+        </p:nvSpPr>
+        <p:spPr>
+          <a:xfrm>
+            <a:off x="719138" y="2160270"/>
+            <a:ext cx="6840000" cy="2484000"/>
+          </a:xfrm>
+        </p:spPr>
+        <p:txBody>
+          <a:bodyPr/>
+          <a:lstStyle/>
+          <a:p>
+            <a:pPr>
+              <a:lnSpc>
+                <a:spcPct val="150000"/>
+              </a:lnSpc>
+            </a:pPr>
+            <a:r>
+              <a:rPr lang="da-DK" dirty="0" smtClean="0"/>
+              <a:t>Kort lydklip i m4a format</a:t>
+            </a:r>
+          </a:p>
+          <a:p>
+            <a:pPr>
+              <a:lnSpc>
+                <a:spcPct val="150000"/>
+              </a:lnSpc>
+            </a:pPr>
+            <a:r>
+              <a:rPr lang="da-DK" dirty="0"/>
+              <a:t>O</a:t>
+            </a:r>
+            <a:r>
+              <a:rPr lang="da-DK" dirty="0" smtClean="0"/>
+              <a:t>pstillet interviewsituation</a:t>
+            </a:r>
+          </a:p>
+          <a:p>
+            <a:pPr>
+              <a:lnSpc>
+                <a:spcPct val="150000"/>
+              </a:lnSpc>
+            </a:pPr>
+            <a:r>
+              <a:rPr lang="da-DK" dirty="0"/>
+              <a:t>S</a:t>
+            </a:r>
+            <a:r>
+              <a:rPr lang="da-DK" dirty="0" smtClean="0"/>
+              <a:t>tresstest af det digitale værktøj</a:t>
+            </a:r>
+          </a:p>
+          <a:p>
+            <a:pPr lvl="1">
+              <a:lnSpc>
+                <a:spcPct val="150000"/>
+              </a:lnSpc>
+            </a:pPr>
+            <a:r>
+              <a:rPr lang="da-DK" dirty="0" smtClean="0"/>
+              <a:t>Ugunstige forhold: baggrundsstøj, flere respondenter, forskellige sprog</a:t>
+            </a:r>
+            <a:endParaRPr lang="da-DK" dirty="0" smtClean="0"/>
+          </a:p>
+          <a:p>
+            <a:endParaRPr lang="da-DK" dirty="0"/>
+          </a:p>
+        </p:txBody>
+      </p:sp>
+      <p:pic>
+        <p:nvPicPr>
+          <p:cNvPr id="2" name="Billede 1"/>
+          <p:cNvPicPr>
+            <a:picLocks noChangeAspect="1"/>
+          </p:cNvPicPr>
+          <p:nvPr/>
+        </p:nvPicPr>
+        <p:blipFill>
+          <a:blip r:embed="rId2">
+            <a:extLst>
+              <a:ext uri="{28A0092B-C50C-407E-A947-70E740481C1C}">
+                <a14:useLocalDpi xmlns:a14="http://schemas.microsoft.com/office/drawing/2010/main" val="0"/>
+              </a:ext>
+            </a:extLst>
+          </a:blip>
+          <a:stretch>
+            <a:fillRect/>
+          </a:stretch>
+        </p:blipFill>
+        <p:spPr>
+          <a:xfrm>
+            <a:off x="7559138" y="1407937"/>
+            <a:ext cx="2296448" cy="2359489"/>
+          </a:xfrm>
+          <a:prstGeom prst="rect">
+            <a:avLst/>
+          </a:prstGeom>
+        </p:spPr>
+      </p:pic>
+      <p:sp>
+        <p:nvSpPr>
+          <p:cNvPr id="4" name="Rektangel 3"/>
+          <p:cNvSpPr/>
+          <p:nvPr/>
+        </p:nvSpPr>
+        <p:spPr>
+          <a:xfrm>
+            <a:off x="10752859" y="6174903"/>
+            <a:ext cx="805029" cy="261610"/>
+          </a:xfrm>
+          <a:prstGeom prst="rect">
+            <a:avLst/>
+          </a:prstGeom>
+        </p:spPr>
+        <p:txBody>
+          <a:bodyPr wrap="none">
+            <a:spAutoFit/>
+          </a:bodyPr>
+          <a:lstStyle/>
+          <a:p>
+            <a:fld id="{D975665A-61CB-4DAB-8750-5B97BD1810B6}" type="datetime5">
+              <a:rPr lang="da-DK" sz="1100"/>
+              <a:pPr/>
+              <a:t>april 2024</a:t>
+            </a:fld>
+            <a:endParaRPr lang="da-DK" dirty="0"/>
+          </a:p>
+        </p:txBody>
+      </p:sp>
+    </p:spTree>
+    <p:extLst>
+      <p:ext uri="{BB962C8B-B14F-4D97-AF65-F5344CB8AC3E}">
+        <p14:creationId xmlns:p14="http://schemas.microsoft.com/office/powerpoint/2010/main" val="603277479"/>
+      </p:ext>
+    </p:extLst>
+  </p:cSld>
+  <p:clrMapOvr>
+    <a:masterClrMapping/>
+  </p:clrMapOvr>
+</p:sld>
+</file>
+
+<file path=ppt/slides/slide5.xml><?xml version="1.0" encoding="utf-8"?>
 <p:sld xmlns:a="http://schemas.openxmlformats.org/drawingml/2006/main" xmlns:r="http://schemas.openxmlformats.org/officeDocument/2006/relationships" xmlns:p="http://schemas.openxmlformats.org/presentationml/2006/main">
   <p:cSld>
     <p:spTree>
@@ -6447,8 +7150,17 @@
             </a:pPr>
             <a:r>
               <a:rPr lang="da-DK" sz="1600" dirty="0" smtClean="0"/>
-              <a:t>Hosted af SDU – Syddansk Universitet</a:t>
-            </a:r>
+              <a:t>En platform til at foretage high-performance </a:t>
+            </a:r>
+            <a:r>
+              <a:rPr lang="da-DK" sz="1600" dirty="0" err="1" smtClean="0"/>
+              <a:t>computing</a:t>
+            </a:r>
+            <a:r>
+              <a:rPr lang="da-DK" sz="1600" dirty="0"/>
+              <a:t> </a:t>
+            </a:r>
+            <a:endParaRPr lang="da-DK" sz="1600" dirty="0" smtClean="0"/>
           </a:p>
           <a:p>
             <a:pPr>
@@ -6457,7 +7169,18 @@
               </a:lnSpc>
             </a:pPr>
             <a:r>
-              <a:rPr lang="da-DK" sz="1600" dirty="0" smtClean="0"/>
+              <a:rPr lang="da-DK" sz="1600" dirty="0"/>
+              <a:t>Hosted af SDU – Syddansk Universitet</a:t>
+            </a:r>
+          </a:p>
+          <a:p>
+            <a:pPr>
+              <a:lnSpc>
+                <a:spcPct val="150000"/>
+              </a:lnSpc>
+            </a:pPr>
+            <a:r>
+              <a:rPr lang="da-DK" sz="1600" dirty="0"/>
               <a:t>Tilgås via WAYF</a:t>
             </a:r>
           </a:p>
@@ -6468,9 +7191,10 @@
               </a:lnSpc>
             </a:pPr>
             <a:r>
-              <a:rPr lang="da-DK" sz="1600" dirty="0" smtClean="0"/>
+              <a:rPr lang="da-DK" sz="1600" dirty="0"/>
               <a:t>Studerende kan anvende systemet ‘gratis’ </a:t>
             </a:r>
+            <a:endParaRPr lang="da-DK" sz="1600" dirty="0" smtClean="0"/>
           </a:p>
           <a:p>
             <a:pPr>
@@ -6480,17 +7204,8 @@
             </a:pPr>
             <a:r>
               <a:rPr lang="da-DK" sz="1600" dirty="0" smtClean="0"/>
-              <a:t>En platform til at foretage high-performance </a:t>
-            </a:r>
-            <a:r>
-              <a:rPr lang="da-DK" sz="1600" dirty="0" err="1" smtClean="0"/>
-              <a:t>computing</a:t>
-            </a:r>
-            <a:r>
-              <a:rPr lang="da-DK" sz="1600" dirty="0"/>
-              <a:t> </a:t>
-            </a:r>
-            <a:endParaRPr lang="da-DK" sz="1600" dirty="0" smtClean="0"/>
+              <a:t>Egnet til lagring og behandling af sensitiv data</a:t>
+            </a:r>
           </a:p>
           <a:p>
             <a:pPr>
@@ -6500,7 +7215,15 @@
             </a:pPr>
             <a:r>
               <a:rPr lang="da-DK" sz="1600" dirty="0" smtClean="0"/>
-              <a:t>Egnet til lagring og behandling af sensitiv data</a:t>
+              <a:t>Følger GDPR retningslinjer og har </a:t>
+            </a:r>
+            <a:r>
+              <a:rPr lang="da-DK" sz="1600" dirty="0"/>
+              <a:t>ISO27001 </a:t>
+            </a:r>
+            <a:r>
+              <a:rPr lang="da-DK" sz="1600" dirty="0" smtClean="0"/>
+              <a:t>certificering</a:t>
             </a:r>
           </a:p>
           <a:p>
@@ -6511,25 +7234,6 @@
             </a:pPr>
             <a:r>
               <a:rPr lang="da-DK" sz="1600" dirty="0" smtClean="0"/>
-              <a:t>Følger GDPR retningslinjer og har </a:t>
-            </a:r>
-            <a:r>
-              <a:rPr lang="da-DK" sz="1600" dirty="0"/>
-              <a:t>ISO27001 </a:t>
-            </a:r>
-            <a:r>
-              <a:rPr lang="da-DK" sz="1600" dirty="0" smtClean="0"/>
-              <a:t>certificering</a:t>
-            </a:r>
-          </a:p>
-          <a:p>
-            <a:pPr>
-              <a:lnSpc>
-                <a:spcPct val="150000"/>
-              </a:lnSpc>
-            </a:pPr>
-            <a:r>
-              <a:rPr lang="da-DK" sz="1600" dirty="0" smtClean="0"/>
               <a:t>Husk</a:t>
             </a:r>
             <a:r>
@@ -6562,7 +7266,6 @@
               <a:rPr lang="da-DK" sz="1600" dirty="0" smtClean="0"/>
               <a:t> </a:t>
             </a:r>
-            <a:endParaRPr lang="da-DK" sz="1600" dirty="0" smtClean="0"/>
           </a:p>
           <a:p>
             <a:pPr marL="0" indent="0">
@@ -6678,10 +7381,17 @@
   <p:clrMapOvr>
     <a:masterClrMapping/>
   </p:clrMapOvr>
+  <p:timing>
+    <p:tnLst>
+      <p:par>
+        <p:cTn id="1" dur="indefinite" restart="never" nodeType="tmRoot"/>
+      </p:par>
+    </p:tnLst>
+  </p:timing>
 </p:sld>
 </file>
 
-<file path=ppt/slides/slide5.xml><?xml version="1.0" encoding="utf-8"?>
+<file path=ppt/slides/slide6.xml><?xml version="1.0" encoding="utf-8"?>
 <p:sld xmlns:a="http://schemas.openxmlformats.org/drawingml/2006/main" xmlns:r="http://schemas.openxmlformats.org/officeDocument/2006/relationships" xmlns:p="http://schemas.openxmlformats.org/presentationml/2006/main">
   <p:cSld>
     <p:spTree>
@@ -7000,10 +7710,110 @@
   <p:clrMapOvr>
     <a:masterClrMapping/>
   </p:clrMapOvr>
+  <p:timing>
+    <p:tnLst>
+      <p:par>
+        <p:cTn id="1" dur="indefinite" restart="never" nodeType="tmRoot"/>
+      </p:par>
+    </p:tnLst>
+  </p:timing>
 </p:sld>
 </file>
 
-<file path=ppt/slides/slide6.xml><?xml version="1.0" encoding="utf-8"?>
+<file path=ppt/slides/slide7.xml><?xml version="1.0" encoding="utf-8"?>
+<p:sld xmlns:a="http://schemas.openxmlformats.org/drawingml/2006/main" xmlns:r="http://schemas.openxmlformats.org/officeDocument/2006/relationships" xmlns:p="http://schemas.openxmlformats.org/presentationml/2006/main">
+  <p:cSld>
+    <p:spTree>
+      <p:nvGrpSpPr>
+        <p:cNvPr id="1" name=""/>
+        <p:cNvGrpSpPr/>
+        <p:nvPr/>
+      </p:nvGrpSpPr>
+      <p:grpSpPr>
+        <a:xfrm>
+          <a:off x="0" y="0"/>
+          <a:ext cx="0" cy="0"/>
+          <a:chOff x="0" y="0"/>
+          <a:chExt cx="0" cy="0"/>
+        </a:xfrm>
+      </p:grpSpPr>
+      <p:sp>
+        <p:nvSpPr>
+          <p:cNvPr id="6" name="Titel 5"/>
+          <p:cNvSpPr>
+            <a:spLocks noGrp="1"/>
+          </p:cNvSpPr>
+          <p:nvPr>
+            <p:ph type="title"/>
+          </p:nvPr>
+        </p:nvSpPr>
+        <p:spPr>
+          <a:xfrm>
+            <a:off x="749642" y="2253743"/>
+            <a:ext cx="10750379" cy="1504666"/>
+          </a:xfrm>
+        </p:spPr>
+        <p:txBody>
+          <a:bodyPr/>
+          <a:lstStyle/>
+          <a:p>
+            <a:r>
+              <a:rPr lang="da-DK" sz="3200" dirty="0"/>
+              <a:t>https://github.com/AUL-Arts-Digital-Lab/WhisperWorkshop</a:t>
+            </a:r>
+          </a:p>
+        </p:txBody>
+      </p:sp>
+      <p:sp>
+        <p:nvSpPr>
+          <p:cNvPr id="5" name="Pladsholder til dato 4"/>
+          <p:cNvSpPr>
+            <a:spLocks noGrp="1"/>
+          </p:cNvSpPr>
+          <p:nvPr>
+            <p:ph type="dt" sz="half" idx="4294967295"/>
+          </p:nvPr>
+        </p:nvSpPr>
+        <p:spPr>
+          <a:xfrm>
+            <a:off x="9098134" y="6292850"/>
+            <a:ext cx="2401887" cy="180975"/>
+          </a:xfrm>
+        </p:spPr>
+        <p:txBody>
+          <a:bodyPr/>
+          <a:lstStyle/>
+          <a:p>
+            <a:fld id="{D975665A-61CB-4DAB-8750-5B97BD1810B6}" type="datetime5">
+              <a:rPr lang="da-DK" smtClean="0"/>
+              <a:pPr/>
+              <a:t>april 2024</a:t>
+            </a:fld>
+            <a:endParaRPr lang="da-DK" dirty="0"/>
+          </a:p>
+        </p:txBody>
+      </p:sp>
+    </p:spTree>
+    <p:extLst>
+      <p:ext uri="{BB962C8B-B14F-4D97-AF65-F5344CB8AC3E}">
+        <p14:creationId xmlns:p14="http://schemas.microsoft.com/office/powerpoint/2010/main" val="268743783"/>
+      </p:ext>
+    </p:extLst>
+  </p:cSld>
+  <p:clrMapOvr>
+    <a:masterClrMapping/>
+  </p:clrMapOvr>
+  <p:timing>
+    <p:tnLst>
+      <p:par>
+        <p:cTn id="1" dur="indefinite" restart="never" nodeType="tmRoot"/>
+      </p:par>
+    </p:tnLst>
+  </p:timing>
+</p:sld>
+</file>
+
+<file path=ppt/slides/slide8.xml><?xml version="1.0" encoding="utf-8"?>
 <p:sld xmlns:a="http://schemas.openxmlformats.org/drawingml/2006/main" xmlns:r="http://schemas.openxmlformats.org/officeDocument/2006/relationships" xmlns:p="http://schemas.openxmlformats.org/presentationml/2006/main">
   <p:cSld>
     <p:bg>
@@ -7278,10 +8088,17 @@
   <p:clrMapOvr>
     <a:masterClrMapping/>
   </p:clrMapOvr>
+  <p:timing>
+    <p:tnLst>
+      <p:par>
+        <p:cTn id="1" dur="indefinite" restart="never" nodeType="tmRoot"/>
+      </p:par>
+    </p:tnLst>
+  </p:timing>
 </p:sld>
 </file>
 
-<file path=ppt/slides/slide7.xml><?xml version="1.0" encoding="utf-8"?>
+<file path=ppt/slides/slide9.xml><?xml version="1.0" encoding="utf-8"?>
 <p:sld xmlns:a="http://schemas.openxmlformats.org/drawingml/2006/main" xmlns:r="http://schemas.openxmlformats.org/officeDocument/2006/relationships" xmlns:p="http://schemas.openxmlformats.org/presentationml/2006/main">
   <p:cSld>
     <p:spTree>
@@ -7310,8 +8127,8 @@
         </p:nvSpPr>
         <p:spPr>
           <a:xfrm>
-            <a:off x="719138" y="2246741"/>
-            <a:ext cx="5213350" cy="3631564"/>
+            <a:off x="719138" y="1933702"/>
+            <a:ext cx="5213350" cy="4924298"/>
           </a:xfrm>
         </p:spPr>
         <p:txBody>
@@ -7326,7 +8143,7 @@
               <a:buChar char="—"/>
             </a:pPr>
             <a:r>
-              <a:rPr lang="da-DK" sz="1300" dirty="0" smtClean="0"/>
+              <a:rPr lang="da-DK" sz="1200" dirty="0" smtClean="0"/>
               <a:t>I det øjeblik teksten ændrer format (fra lyd til tekst) sker der en bearbejdning</a:t>
             </a:r>
           </a:p>
@@ -7339,7 +8156,7 @@
               <a:buChar char="—"/>
             </a:pPr>
             <a:r>
-              <a:rPr lang="da-DK" sz="1300" dirty="0" smtClean="0"/>
+              <a:rPr lang="da-DK" sz="1200" dirty="0" smtClean="0"/>
               <a:t>Hvad gør man med pauser, latter, lydord?</a:t>
             </a:r>
           </a:p>
@@ -7352,7 +8169,7 @@
               <a:buChar char="—"/>
             </a:pPr>
             <a:r>
-              <a:rPr lang="da-DK" sz="1300" dirty="0" smtClean="0"/>
+              <a:rPr lang="da-DK" sz="1200" dirty="0" smtClean="0"/>
               <a:t>Når respondenter taler i munden på hinanden?</a:t>
             </a:r>
           </a:p>
@@ -7365,7 +8182,7 @@
               <a:buChar char="—"/>
             </a:pPr>
             <a:r>
-              <a:rPr lang="da-DK" sz="1300" dirty="0" smtClean="0"/>
+              <a:rPr lang="da-DK" sz="1200" dirty="0" smtClean="0"/>
               <a:t>Hvad med tegnsætning?</a:t>
             </a:r>
           </a:p>
@@ -7378,16 +8195,20 @@
               <a:buChar char="—"/>
             </a:pPr>
             <a:r>
-              <a:rPr lang="da-DK" sz="1300" dirty="0" smtClean="0"/>
+              <a:rPr lang="da-DK" sz="1200" dirty="0" smtClean="0"/>
               <a:t>To personer kan høre den samme </a:t>
             </a:r>
             <a:r>
-              <a:rPr lang="da-DK" sz="1300" dirty="0" err="1" smtClean="0"/>
+              <a:rPr lang="da-DK" sz="1200" dirty="0" err="1" smtClean="0"/>
               <a:t>lydbid</a:t>
             </a:r>
             <a:r>
-              <a:rPr lang="da-DK" sz="1300" dirty="0" smtClean="0"/>
-              <a:t> og få vidt forskellige ting ud af det</a:t>
+              <a:rPr lang="da-DK" sz="1200" dirty="0" smtClean="0"/>
+              <a:t> og få vidt forskellige ting ud af </a:t>
+            </a:r>
+            <a:r>
+              <a:rPr lang="da-DK" sz="1200" dirty="0" smtClean="0"/>
+              <a:t>det</a:t>
             </a:r>
           </a:p>
           <a:p>
@@ -7399,8 +8220,12 @@
               <a:buChar char="—"/>
             </a:pPr>
             <a:r>
-              <a:rPr lang="da-DK" sz="1300" dirty="0" smtClean="0"/>
-              <a:t>Hvad var de vigtigste pointer?</a:t>
+              <a:rPr lang="da-DK" sz="1200" dirty="0" smtClean="0"/>
+              <a:t>Blev </a:t>
+            </a:r>
+            <a:r>
+              <a:rPr lang="da-DK" sz="1200" dirty="0" smtClean="0"/>
+              <a:t>der udtrykt en holdning eller sagt noget mellem linjerne?</a:t>
             </a:r>
           </a:p>
           <a:p>
@@ -7412,8 +8237,25 @@
               <a:buChar char="—"/>
             </a:pPr>
             <a:r>
-              <a:rPr lang="da-DK" sz="1300" dirty="0" smtClean="0"/>
-              <a:t>Blev der udtrykt en holdning eller sagt noget mellem linjerne?</a:t>
+              <a:rPr lang="da-DK" sz="1200" dirty="0" smtClean="0"/>
+              <a:t>Hvordan </a:t>
+            </a:r>
+            <a:r>
+              <a:rPr lang="da-DK" sz="1200" dirty="0" smtClean="0"/>
+              <a:t>var tonelejet?</a:t>
+            </a:r>
+          </a:p>
+          <a:p>
+            <a:pPr marL="285750" indent="-285750">
+              <a:lnSpc>
+                <a:spcPct val="150000"/>
+              </a:lnSpc>
+              <a:buFont typeface="Arial" panose="020B0604020202020204" pitchFamily="34" charset="0"/>
+              <a:buChar char="—"/>
+            </a:pPr>
+            <a:r>
+              <a:rPr lang="da-DK" sz="1200" dirty="0" smtClean="0"/>
+              <a:t>I praksis</a:t>
             </a:r>
           </a:p>
           <a:p>
@@ -7425,12 +8267,12 @@
               <a:buChar char="—"/>
             </a:pPr>
             <a:r>
-              <a:rPr lang="da-DK" sz="1300" dirty="0" smtClean="0"/>
-              <a:t>Hvordan var tonelejet?</a:t>
-            </a:r>
-          </a:p>
-          <a:p>
-            <a:pPr marL="285750" indent="-285750">
+              <a:rPr lang="da-DK" sz="1200" dirty="0" smtClean="0"/>
+              <a:t>Lyt jeres optagelser igennem når I gennemgår en transskribering</a:t>
+            </a:r>
+          </a:p>
+          <a:p>
+            <a:pPr marL="1085850" lvl="1" indent="-285750">
               <a:lnSpc>
                 <a:spcPct val="150000"/>
               </a:lnSpc>
@@ -7438,9 +8280,23 @@
               <a:buChar char="—"/>
             </a:pPr>
             <a:r>
-              <a:rPr lang="da-DK" sz="1300" dirty="0" smtClean="0"/>
-              <a:t>Dette er overvejelser, der er vigtige at gøre sig inden man begynder sin transskribering og videre databehandling</a:t>
-            </a:r>
+              <a:rPr lang="da-DK" sz="1200" dirty="0" smtClean="0"/>
+              <a:t>Overvej hvilke informationer, der er relevante for jeres analyse</a:t>
+            </a:r>
+          </a:p>
+          <a:p>
+            <a:pPr marL="1085850" lvl="1" indent="-285750">
+              <a:lnSpc>
+                <a:spcPct val="150000"/>
+              </a:lnSpc>
+              <a:buFont typeface="Arial" panose="020B0604020202020204" pitchFamily="34" charset="0"/>
+              <a:buChar char="—"/>
+            </a:pPr>
+            <a:r>
+              <a:rPr lang="da-DK" sz="1200" dirty="0" smtClean="0"/>
+              <a:t>Lav en overordnet struktur for, hvordan I håndterer jeres data (kursivering, citationstegn, understregning etc.) </a:t>
+            </a:r>
+            <a:endParaRPr lang="da-DK" sz="1200" dirty="0" smtClean="0"/>
           </a:p>
         </p:txBody>
       </p:sp>
@@ -7516,364 +8372,13 @@
   <p:clrMapOvr>
     <a:masterClrMapping/>
   </p:clrMapOvr>
-</p:sld>
-</file>
-
-<file path=ppt/slides/slide8.xml><?xml version="1.0" encoding="utf-8"?>
-<p:sld xmlns:a="http://schemas.openxmlformats.org/drawingml/2006/main" xmlns:r="http://schemas.openxmlformats.org/officeDocument/2006/relationships" xmlns:p="http://schemas.openxmlformats.org/presentationml/2006/main">
-  <p:cSld>
-    <p:spTree>
-      <p:nvGrpSpPr>
-        <p:cNvPr id="1" name=""/>
-        <p:cNvGrpSpPr/>
-        <p:nvPr/>
-      </p:nvGrpSpPr>
-      <p:grpSpPr>
-        <a:xfrm>
-          <a:off x="0" y="0"/>
-          <a:ext cx="0" cy="0"/>
-          <a:chOff x="0" y="0"/>
-          <a:chExt cx="0" cy="0"/>
-        </a:xfrm>
-      </p:grpSpPr>
-      <p:sp>
-        <p:nvSpPr>
-          <p:cNvPr id="2" name="Titel 1"/>
-          <p:cNvSpPr>
-            <a:spLocks noGrp="1"/>
-          </p:cNvSpPr>
-          <p:nvPr>
-            <p:ph type="title"/>
-          </p:nvPr>
-        </p:nvSpPr>
-        <p:spPr/>
-        <p:txBody>
-          <a:bodyPr/>
-          <a:lstStyle/>
-          <a:p>
-            <a:r>
-              <a:rPr lang="da-DK" dirty="0" smtClean="0"/>
-              <a:t>Referencer</a:t>
-            </a:r>
-            <a:endParaRPr lang="da-DK" dirty="0"/>
-          </a:p>
-        </p:txBody>
-      </p:sp>
-      <p:sp>
-        <p:nvSpPr>
-          <p:cNvPr id="3" name="Pladsholder til tekst 2"/>
-          <p:cNvSpPr>
-            <a:spLocks noGrp="1"/>
-          </p:cNvSpPr>
-          <p:nvPr>
-            <p:ph type="body" sz="quarter" idx="13"/>
-          </p:nvPr>
-        </p:nvSpPr>
-        <p:spPr>
-          <a:xfrm>
-            <a:off x="719138" y="2800800"/>
-            <a:ext cx="10748962" cy="2484000"/>
-          </a:xfrm>
-        </p:spPr>
-        <p:txBody>
-          <a:bodyPr/>
-          <a:lstStyle/>
-          <a:p>
-            <a:pPr>
-              <a:lnSpc>
-                <a:spcPct val="150000"/>
-              </a:lnSpc>
-            </a:pPr>
-            <a:r>
-              <a:rPr lang="da-DK" dirty="0" smtClean="0"/>
-              <a:t>Brugsvejledning til </a:t>
-            </a:r>
-            <a:r>
-              <a:rPr lang="da-DK" dirty="0" err="1" smtClean="0"/>
-              <a:t>UCloud</a:t>
-            </a:r>
-            <a:r>
-              <a:rPr lang="da-DK" dirty="0" smtClean="0"/>
-              <a:t>: </a:t>
-            </a:r>
-            <a:r>
-              <a:rPr lang="fr-FR" dirty="0" err="1">
-                <a:hlinkClick r:id="rId2"/>
-              </a:rPr>
-              <a:t>UCloud</a:t>
-            </a:r>
-            <a:r>
-              <a:rPr lang="fr-FR" dirty="0">
-                <a:hlinkClick r:id="rId2"/>
-              </a:rPr>
-              <a:t> User Guide — </a:t>
-            </a:r>
-            <a:r>
-              <a:rPr lang="fr-FR" dirty="0" err="1">
-                <a:hlinkClick r:id="rId2"/>
-              </a:rPr>
-              <a:t>UCloud</a:t>
-            </a:r>
-            <a:r>
-              <a:rPr lang="fr-FR" dirty="0">
-                <a:hlinkClick r:id="rId2"/>
-              </a:rPr>
-              <a:t> (sdu.dk</a:t>
-            </a:r>
-            <a:r>
-              <a:rPr lang="fr-FR" dirty="0" smtClean="0">
-                <a:hlinkClick r:id="rId2"/>
-              </a:rPr>
-              <a:t>)</a:t>
-            </a:r>
-            <a:endParaRPr lang="fr-FR" dirty="0" smtClean="0"/>
-          </a:p>
-          <a:p>
-            <a:pPr>
-              <a:lnSpc>
-                <a:spcPct val="150000"/>
-              </a:lnSpc>
-            </a:pPr>
-            <a:r>
-              <a:rPr lang="fr-FR" dirty="0" err="1" smtClean="0"/>
-              <a:t>UCloud’s</a:t>
-            </a:r>
-            <a:r>
-              <a:rPr lang="fr-FR" dirty="0" smtClean="0"/>
-              <a:t> </a:t>
-            </a:r>
-            <a:r>
-              <a:rPr lang="fr-FR" dirty="0" err="1" smtClean="0"/>
-              <a:t>definition</a:t>
-            </a:r>
-            <a:r>
-              <a:rPr lang="fr-FR" dirty="0" smtClean="0"/>
-              <a:t> </a:t>
-            </a:r>
-            <a:r>
-              <a:rPr lang="fr-FR" dirty="0" err="1" smtClean="0"/>
-              <a:t>på</a:t>
-            </a:r>
-            <a:r>
-              <a:rPr lang="fr-FR" dirty="0" smtClean="0"/>
-              <a:t> best practices: </a:t>
-            </a:r>
-            <a:r>
-              <a:rPr lang="en-US" dirty="0">
-                <a:hlinkClick r:id="rId3"/>
-              </a:rPr>
-              <a:t>Interactive HPC Best Practices — </a:t>
-            </a:r>
-            <a:r>
-              <a:rPr lang="en-US" dirty="0" err="1">
-                <a:hlinkClick r:id="rId3"/>
-              </a:rPr>
-              <a:t>UCloud</a:t>
-            </a:r>
-            <a:r>
-              <a:rPr lang="en-US" dirty="0">
-                <a:hlinkClick r:id="rId3"/>
-              </a:rPr>
-              <a:t> (sdu.dk</a:t>
-            </a:r>
-            <a:r>
-              <a:rPr lang="en-US" dirty="0" smtClean="0">
-                <a:hlinkClick r:id="rId3"/>
-              </a:rPr>
-              <a:t>)</a:t>
-            </a:r>
-            <a:endParaRPr lang="en-US" dirty="0" smtClean="0"/>
-          </a:p>
-          <a:p>
-            <a:pPr>
-              <a:lnSpc>
-                <a:spcPct val="150000"/>
-              </a:lnSpc>
-            </a:pPr>
-            <a:r>
-              <a:rPr lang="en-US" dirty="0" smtClean="0"/>
-              <a:t>SDU’s </a:t>
-            </a:r>
-            <a:r>
-              <a:rPr lang="en-US" dirty="0" err="1" smtClean="0"/>
-              <a:t>dokumentation</a:t>
-            </a:r>
-            <a:r>
-              <a:rPr lang="en-US" dirty="0" smtClean="0"/>
-              <a:t> om </a:t>
-            </a:r>
-            <a:r>
-              <a:rPr lang="en-US" dirty="0" err="1" smtClean="0"/>
-              <a:t>databeskyttelse</a:t>
-            </a:r>
-            <a:r>
-              <a:rPr lang="en-US" dirty="0" smtClean="0"/>
-              <a:t>: </a:t>
-            </a:r>
-            <a:r>
-              <a:rPr lang="en-US" dirty="0">
-                <a:hlinkClick r:id="rId4"/>
-              </a:rPr>
-              <a:t>Data protection at SDU </a:t>
-            </a:r>
-            <a:r>
-              <a:rPr lang="en-US" dirty="0" smtClean="0">
-                <a:hlinkClick r:id="rId4"/>
-              </a:rPr>
-              <a:t>– SDU</a:t>
-            </a:r>
-            <a:r>
-              <a:rPr lang="en-US" dirty="0" smtClean="0"/>
-              <a:t> </a:t>
-            </a:r>
-            <a:endParaRPr lang="fr-FR" dirty="0" smtClean="0"/>
-          </a:p>
-          <a:p>
-            <a:pPr>
-              <a:lnSpc>
-                <a:spcPct val="150000"/>
-              </a:lnSpc>
-            </a:pPr>
-            <a:r>
-              <a:rPr lang="fr-FR" dirty="0" err="1" smtClean="0"/>
-              <a:t>OpenAI’s</a:t>
-            </a:r>
-            <a:r>
-              <a:rPr lang="fr-FR" dirty="0" smtClean="0"/>
-              <a:t> </a:t>
-            </a:r>
-            <a:r>
-              <a:rPr lang="fr-FR" dirty="0" err="1" smtClean="0"/>
-              <a:t>beskrivelse</a:t>
-            </a:r>
-            <a:r>
-              <a:rPr lang="fr-FR" dirty="0" smtClean="0"/>
-              <a:t> </a:t>
-            </a:r>
-            <a:r>
-              <a:rPr lang="fr-FR" dirty="0" err="1" smtClean="0"/>
-              <a:t>af</a:t>
-            </a:r>
-            <a:r>
-              <a:rPr lang="fr-FR" dirty="0" smtClean="0"/>
-              <a:t> </a:t>
-            </a:r>
-            <a:r>
-              <a:rPr lang="fr-FR" dirty="0" err="1" smtClean="0"/>
-              <a:t>Whisper</a:t>
-            </a:r>
-            <a:r>
-              <a:rPr lang="fr-FR" dirty="0" smtClean="0"/>
-              <a:t>: </a:t>
-            </a:r>
-            <a:r>
-              <a:rPr lang="fr-FR" dirty="0">
-                <a:hlinkClick r:id="rId5"/>
-              </a:rPr>
-              <a:t>https://</a:t>
-            </a:r>
-            <a:r>
-              <a:rPr lang="fr-FR" dirty="0" smtClean="0">
-                <a:hlinkClick r:id="rId5"/>
-              </a:rPr>
-              <a:t>openai.com/research/whisper</a:t>
-            </a:r>
-            <a:endParaRPr lang="fr-FR" dirty="0" smtClean="0"/>
-          </a:p>
-          <a:p>
-            <a:pPr>
-              <a:lnSpc>
-                <a:spcPct val="150000"/>
-              </a:lnSpc>
-            </a:pPr>
-            <a:r>
-              <a:rPr lang="fr-FR" dirty="0" err="1" smtClean="0"/>
-              <a:t>Github</a:t>
-            </a:r>
-            <a:r>
-              <a:rPr lang="fr-FR" dirty="0" smtClean="0"/>
-              <a:t> </a:t>
-            </a:r>
-            <a:r>
-              <a:rPr lang="fr-FR" dirty="0" err="1" smtClean="0"/>
-              <a:t>repository</a:t>
-            </a:r>
-            <a:r>
-              <a:rPr lang="fr-FR" dirty="0"/>
-              <a:t> </a:t>
-            </a:r>
-            <a:r>
-              <a:rPr lang="fr-FR" dirty="0" err="1" smtClean="0"/>
-              <a:t>til</a:t>
-            </a:r>
-            <a:r>
-              <a:rPr lang="fr-FR" dirty="0" smtClean="0"/>
-              <a:t> </a:t>
-            </a:r>
-            <a:r>
-              <a:rPr lang="fr-FR" dirty="0" err="1" smtClean="0"/>
-              <a:t>workshoppen</a:t>
-            </a:r>
-            <a:r>
-              <a:rPr lang="fr-FR" dirty="0"/>
-              <a:t>: </a:t>
-            </a:r>
-            <a:r>
-              <a:rPr lang="fr-FR" dirty="0">
-                <a:hlinkClick r:id="rId6"/>
-              </a:rPr>
-              <a:t>https://</a:t>
-            </a:r>
-            <a:r>
-              <a:rPr lang="fr-FR" dirty="0" smtClean="0">
-                <a:hlinkClick r:id="rId6"/>
-              </a:rPr>
-              <a:t>github.com/AUL-Arts-Digital-Lab/WhisperWorkshop.git</a:t>
-            </a:r>
-            <a:r>
-              <a:rPr lang="fr-FR" dirty="0" smtClean="0"/>
-              <a:t> </a:t>
-            </a:r>
-          </a:p>
-          <a:p>
-            <a:endParaRPr lang="da-DK" dirty="0"/>
-          </a:p>
-        </p:txBody>
-      </p:sp>
-      <p:sp>
-        <p:nvSpPr>
-          <p:cNvPr id="4" name="Pladsholder til dato 3"/>
-          <p:cNvSpPr>
-            <a:spLocks noGrp="1"/>
-          </p:cNvSpPr>
-          <p:nvPr>
-            <p:ph type="dt" sz="half" idx="14"/>
-          </p:nvPr>
-        </p:nvSpPr>
-        <p:spPr/>
-        <p:txBody>
-          <a:bodyPr/>
-          <a:lstStyle/>
-          <a:p>
-            <a:fld id="{D975665A-61CB-4DAB-8750-5B97BD1810B6}" type="datetime5">
-              <a:rPr lang="da-DK" smtClean="0"/>
-              <a:pPr/>
-              <a:t>april 2024</a:t>
-            </a:fld>
-            <a:endParaRPr lang="da-DK" dirty="0"/>
-          </a:p>
-        </p:txBody>
-      </p:sp>
-    </p:spTree>
-    <p:extLst>
-      <p:ext uri="{BB962C8B-B14F-4D97-AF65-F5344CB8AC3E}">
-        <p14:creationId xmlns:p14="http://schemas.microsoft.com/office/powerpoint/2010/main" val="1236717997"/>
-      </p:ext>
-    </p:extLst>
-  </p:cSld>
-  <p:clrMapOvr>
-    <a:masterClrMapping/>
-  </p:clrMapOvr>
+  <p:timing>
+    <p:tnLst>
+      <p:par>
+        <p:cTn id="1" dur="indefinite" restart="never" nodeType="tmRoot"/>
+      </p:par>
+    </p:tnLst>
+  </p:timing>
 </p:sld>
 </file>
 
